--- a/Präsentation_Racing_Insights.pptx
+++ b/Präsentation_Racing_Insights.pptx
@@ -8,12 +8,12 @@
     <p:sldId id="261" r:id="rId2"/>
     <p:sldId id="262" r:id="rId3"/>
     <p:sldId id="263" r:id="rId4"/>
-    <p:sldId id="272" r:id="rId5"/>
-    <p:sldId id="266" r:id="rId6"/>
-    <p:sldId id="270" r:id="rId7"/>
-    <p:sldId id="271" r:id="rId8"/>
-    <p:sldId id="264" r:id="rId9"/>
-    <p:sldId id="269" r:id="rId10"/>
+    <p:sldId id="269" r:id="rId5"/>
+    <p:sldId id="272" r:id="rId6"/>
+    <p:sldId id="266" r:id="rId7"/>
+    <p:sldId id="270" r:id="rId8"/>
+    <p:sldId id="271" r:id="rId9"/>
+    <p:sldId id="264" r:id="rId10"/>
     <p:sldId id="268" r:id="rId11"/>
   </p:sldIdLst>
   <p:sldSz cx="12192000" cy="6858000"/>
@@ -270,7 +270,7 @@
           <a:p>
             <a:fld id="{6EEE693F-E9BD-4EE0-A53F-2035690FB9A2}" type="datetimeFigureOut">
               <a:rPr lang="en-GB" smtClean="0"/>
-              <a:t>01/06/2025</a:t>
+              <a:t>04/06/2025</a:t>
             </a:fld>
             <a:endParaRPr lang="en-GB"/>
           </a:p>
@@ -470,7 +470,7 @@
           <a:p>
             <a:fld id="{6EEE693F-E9BD-4EE0-A53F-2035690FB9A2}" type="datetimeFigureOut">
               <a:rPr lang="en-GB" smtClean="0"/>
-              <a:t>01/06/2025</a:t>
+              <a:t>04/06/2025</a:t>
             </a:fld>
             <a:endParaRPr lang="en-GB"/>
           </a:p>
@@ -680,7 +680,7 @@
           <a:p>
             <a:fld id="{6EEE693F-E9BD-4EE0-A53F-2035690FB9A2}" type="datetimeFigureOut">
               <a:rPr lang="en-GB" smtClean="0"/>
-              <a:t>01/06/2025</a:t>
+              <a:t>04/06/2025</a:t>
             </a:fld>
             <a:endParaRPr lang="en-GB"/>
           </a:p>
@@ -880,7 +880,7 @@
           <a:p>
             <a:fld id="{6EEE693F-E9BD-4EE0-A53F-2035690FB9A2}" type="datetimeFigureOut">
               <a:rPr lang="en-GB" smtClean="0"/>
-              <a:t>01/06/2025</a:t>
+              <a:t>04/06/2025</a:t>
             </a:fld>
             <a:endParaRPr lang="en-GB"/>
           </a:p>
@@ -1156,7 +1156,7 @@
           <a:p>
             <a:fld id="{6EEE693F-E9BD-4EE0-A53F-2035690FB9A2}" type="datetimeFigureOut">
               <a:rPr lang="en-GB" smtClean="0"/>
-              <a:t>01/06/2025</a:t>
+              <a:t>04/06/2025</a:t>
             </a:fld>
             <a:endParaRPr lang="en-GB"/>
           </a:p>
@@ -1424,7 +1424,7 @@
           <a:p>
             <a:fld id="{6EEE693F-E9BD-4EE0-A53F-2035690FB9A2}" type="datetimeFigureOut">
               <a:rPr lang="en-GB" smtClean="0"/>
-              <a:t>01/06/2025</a:t>
+              <a:t>04/06/2025</a:t>
             </a:fld>
             <a:endParaRPr lang="en-GB"/>
           </a:p>
@@ -1839,7 +1839,7 @@
           <a:p>
             <a:fld id="{6EEE693F-E9BD-4EE0-A53F-2035690FB9A2}" type="datetimeFigureOut">
               <a:rPr lang="en-GB" smtClean="0"/>
-              <a:t>01/06/2025</a:t>
+              <a:t>04/06/2025</a:t>
             </a:fld>
             <a:endParaRPr lang="en-GB"/>
           </a:p>
@@ -1981,7 +1981,7 @@
           <a:p>
             <a:fld id="{6EEE693F-E9BD-4EE0-A53F-2035690FB9A2}" type="datetimeFigureOut">
               <a:rPr lang="en-GB" smtClean="0"/>
-              <a:t>01/06/2025</a:t>
+              <a:t>04/06/2025</a:t>
             </a:fld>
             <a:endParaRPr lang="en-GB"/>
           </a:p>
@@ -2094,7 +2094,7 @@
           <a:p>
             <a:fld id="{6EEE693F-E9BD-4EE0-A53F-2035690FB9A2}" type="datetimeFigureOut">
               <a:rPr lang="en-GB" smtClean="0"/>
-              <a:t>01/06/2025</a:t>
+              <a:t>04/06/2025</a:t>
             </a:fld>
             <a:endParaRPr lang="en-GB"/>
           </a:p>
@@ -2407,7 +2407,7 @@
           <a:p>
             <a:fld id="{6EEE693F-E9BD-4EE0-A53F-2035690FB9A2}" type="datetimeFigureOut">
               <a:rPr lang="en-GB" smtClean="0"/>
-              <a:t>01/06/2025</a:t>
+              <a:t>04/06/2025</a:t>
             </a:fld>
             <a:endParaRPr lang="en-GB"/>
           </a:p>
@@ -2696,7 +2696,7 @@
           <a:p>
             <a:fld id="{6EEE693F-E9BD-4EE0-A53F-2035690FB9A2}" type="datetimeFigureOut">
               <a:rPr lang="en-GB" smtClean="0"/>
-              <a:t>01/06/2025</a:t>
+              <a:t>04/06/2025</a:t>
             </a:fld>
             <a:endParaRPr lang="en-GB"/>
           </a:p>
@@ -2939,7 +2939,7 @@
           <a:p>
             <a:fld id="{6EEE693F-E9BD-4EE0-A53F-2035690FB9A2}" type="datetimeFigureOut">
               <a:rPr lang="en-GB" smtClean="0"/>
-              <a:t>01/06/2025</a:t>
+              <a:t>04/06/2025</a:t>
             </a:fld>
             <a:endParaRPr lang="en-GB"/>
           </a:p>
@@ -4236,6 +4236,184 @@
   <p:cSld>
     <p:spTree>
       <p:nvGrpSpPr>
+        <p:cNvPr id="1" name="">
+          <a:extLst>
+            <a:ext uri="{FF2B5EF4-FFF2-40B4-BE49-F238E27FC236}">
+              <a16:creationId xmlns:a16="http://schemas.microsoft.com/office/drawing/2014/main" id="{CC8623E8-75A6-8D63-85C5-64749D125D89}"/>
+            </a:ext>
+          </a:extLst>
+        </p:cNvPr>
+        <p:cNvGrpSpPr/>
+        <p:nvPr/>
+      </p:nvGrpSpPr>
+      <p:grpSpPr>
+        <a:xfrm>
+          <a:off x="0" y="0"/>
+          <a:ext cx="0" cy="0"/>
+          <a:chOff x="0" y="0"/>
+          <a:chExt cx="0" cy="0"/>
+        </a:xfrm>
+      </p:grpSpPr>
+      <p:sp>
+        <p:nvSpPr>
+          <p:cNvPr id="2" name="Titel 1">
+            <a:extLst>
+              <a:ext uri="{FF2B5EF4-FFF2-40B4-BE49-F238E27FC236}">
+                <a16:creationId xmlns:a16="http://schemas.microsoft.com/office/drawing/2014/main" id="{A1D20DFC-60F4-B318-791D-7EA59029F73C}"/>
+              </a:ext>
+            </a:extLst>
+          </p:cNvPr>
+          <p:cNvSpPr>
+            <a:spLocks noGrp="1"/>
+          </p:cNvSpPr>
+          <p:nvPr>
+            <p:ph type="title"/>
+          </p:nvPr>
+        </p:nvSpPr>
+        <p:spPr>
+          <a:xfrm>
+            <a:off x="397933" y="991280"/>
+            <a:ext cx="10515600" cy="1325563"/>
+          </a:xfrm>
+        </p:spPr>
+        <p:txBody>
+          <a:bodyPr/>
+          <a:lstStyle/>
+          <a:p>
+            <a:r>
+              <a:rPr lang="de-DE" b="1" dirty="0"/>
+              <a:t>Limitationen des Projekts</a:t>
+            </a:r>
+            <a:endParaRPr lang="de-CH" b="1" dirty="0"/>
+          </a:p>
+        </p:txBody>
+      </p:sp>
+      <p:sp>
+        <p:nvSpPr>
+          <p:cNvPr id="3" name="Inhaltsplatzhalter 2">
+            <a:extLst>
+              <a:ext uri="{FF2B5EF4-FFF2-40B4-BE49-F238E27FC236}">
+                <a16:creationId xmlns:a16="http://schemas.microsoft.com/office/drawing/2014/main" id="{A2F4CF04-B5F3-0F21-A418-3B8B82654D2C}"/>
+              </a:ext>
+            </a:extLst>
+          </p:cNvPr>
+          <p:cNvSpPr>
+            <a:spLocks noGrp="1"/>
+          </p:cNvSpPr>
+          <p:nvPr>
+            <p:ph idx="1"/>
+          </p:nvPr>
+        </p:nvSpPr>
+        <p:spPr>
+          <a:xfrm>
+            <a:off x="397933" y="2316842"/>
+            <a:ext cx="10515600" cy="3144157"/>
+          </a:xfrm>
+        </p:spPr>
+        <p:txBody>
+          <a:bodyPr>
+            <a:normAutofit lnSpcReduction="10000"/>
+          </a:bodyPr>
+          <a:lstStyle/>
+          <a:p>
+            <a:r>
+              <a:rPr lang="de-DE" dirty="0"/>
+              <a:t>Daten starten erst ab dem Jahr 2018</a:t>
+            </a:r>
+          </a:p>
+          <a:p>
+            <a:r>
+              <a:rPr lang="de-DE" dirty="0"/>
+              <a:t>Nur Renndaten verwendet</a:t>
+            </a:r>
+          </a:p>
+          <a:p>
+            <a:r>
+              <a:rPr lang="de-DE" dirty="0"/>
+              <a:t>Daten werden direkt von der API abgefragt, keine eigene Datenbank im Hintergrund wegen begrenztem Projektumfang</a:t>
+            </a:r>
+          </a:p>
+          <a:p>
+            <a:r>
+              <a:rPr lang="de-CH" dirty="0"/>
+              <a:t>Farben einiger Rennställe nicht gut erkennbar</a:t>
+            </a:r>
+          </a:p>
+          <a:p>
+            <a:r>
+              <a:rPr lang="de-CH" dirty="0"/>
+              <a:t>Kein Vergleich von drei Fahrern bei der Strategieanalyse, weil sehr aufwändig zu implementieren</a:t>
+            </a:r>
+          </a:p>
+          <a:p>
+            <a:endParaRPr lang="de-DE" dirty="0"/>
+          </a:p>
+        </p:txBody>
+      </p:sp>
+      <p:sp>
+        <p:nvSpPr>
+          <p:cNvPr id="4" name="Rechteck 3">
+            <a:extLst>
+              <a:ext uri="{FF2B5EF4-FFF2-40B4-BE49-F238E27FC236}">
+                <a16:creationId xmlns:a16="http://schemas.microsoft.com/office/drawing/2014/main" id="{69107C99-2815-798A-4442-9504B75FD298}"/>
+              </a:ext>
+            </a:extLst>
+          </p:cNvPr>
+          <p:cNvSpPr/>
+          <p:nvPr/>
+        </p:nvSpPr>
+        <p:spPr>
+          <a:xfrm>
+            <a:off x="397933" y="503237"/>
+            <a:ext cx="11396134" cy="174096"/>
+          </a:xfrm>
+          <a:prstGeom prst="rect">
+            <a:avLst/>
+          </a:prstGeom>
+        </p:spPr>
+        <p:style>
+          <a:lnRef idx="2">
+            <a:schemeClr val="dk1">
+              <a:shade val="15000"/>
+            </a:schemeClr>
+          </a:lnRef>
+          <a:fillRef idx="1">
+            <a:schemeClr val="dk1"/>
+          </a:fillRef>
+          <a:effectRef idx="0">
+            <a:schemeClr val="dk1"/>
+          </a:effectRef>
+          <a:fontRef idx="minor">
+            <a:schemeClr val="lt1"/>
+          </a:fontRef>
+        </p:style>
+        <p:txBody>
+          <a:bodyPr rtlCol="0" anchor="ctr"/>
+          <a:lstStyle/>
+          <a:p>
+            <a:pPr algn="ctr"/>
+            <a:endParaRPr lang="en-GB"/>
+          </a:p>
+        </p:txBody>
+      </p:sp>
+    </p:spTree>
+    <p:extLst>
+      <p:ext uri="{BB962C8B-B14F-4D97-AF65-F5344CB8AC3E}">
+        <p14:creationId xmlns:p14="http://schemas.microsoft.com/office/powerpoint/2010/main" val="647650531"/>
+      </p:ext>
+    </p:extLst>
+  </p:cSld>
+  <p:clrMapOvr>
+    <a:masterClrMapping/>
+  </p:clrMapOvr>
+</p:sld>
+</file>
+
+<file path=ppt/slides/slide5.xml><?xml version="1.0" encoding="utf-8"?>
+<p:sld xmlns:a="http://schemas.openxmlformats.org/drawingml/2006/main" xmlns:r="http://schemas.openxmlformats.org/officeDocument/2006/relationships" xmlns:p="http://schemas.openxmlformats.org/presentationml/2006/main">
+  <p:cSld>
+    <p:spTree>
+      <p:nvGrpSpPr>
         <p:cNvPr id="1" name=""/>
         <p:cNvGrpSpPr/>
         <p:nvPr/>
@@ -4335,7 +4513,7 @@
 </p:sld>
 </file>
 
-<file path=ppt/slides/slide5.xml><?xml version="1.0" encoding="utf-8"?>
+<file path=ppt/slides/slide6.xml><?xml version="1.0" encoding="utf-8"?>
 <p:sld xmlns:a="http://schemas.openxmlformats.org/drawingml/2006/main" xmlns:r="http://schemas.openxmlformats.org/officeDocument/2006/relationships" xmlns:p="http://schemas.openxmlformats.org/presentationml/2006/main">
   <p:cSld>
     <p:spTree>
@@ -4487,7 +4665,7 @@
 </p:sld>
 </file>
 
-<file path=ppt/slides/slide6.xml><?xml version="1.0" encoding="utf-8"?>
+<file path=ppt/slides/slide7.xml><?xml version="1.0" encoding="utf-8"?>
 <p:sld xmlns:a="http://schemas.openxmlformats.org/drawingml/2006/main" xmlns:r="http://schemas.openxmlformats.org/officeDocument/2006/relationships" xmlns:p="http://schemas.openxmlformats.org/presentationml/2006/main">
   <p:cSld>
     <p:spTree>
@@ -4592,19 +4770,19 @@
       </p:sp>
       <p:pic>
         <p:nvPicPr>
-          <p:cNvPr id="8" name="Grafik 7" descr="Ein Bild, das Text, Screenshot, Design, Kunst enthält.&#10;&#10;KI-generierte Inhalte können fehlerhaft sein.">
-            <a:extLst>
-              <a:ext uri="{FF2B5EF4-FFF2-40B4-BE49-F238E27FC236}">
-                <a16:creationId xmlns:a16="http://schemas.microsoft.com/office/drawing/2014/main" id="{DA2F09F0-AFA6-E0F7-4AD5-2089F3FA7E17}"/>
+          <p:cNvPr id="1026" name="Picture 2">
+            <a:extLst>
+              <a:ext uri="{FF2B5EF4-FFF2-40B4-BE49-F238E27FC236}">
+                <a16:creationId xmlns:a16="http://schemas.microsoft.com/office/drawing/2014/main" id="{FA841432-E607-DF42-3505-CCB873AD0D2D}"/>
               </a:ext>
             </a:extLst>
           </p:cNvPr>
           <p:cNvPicPr>
-            <a:picLocks noChangeAspect="1"/>
+            <a:picLocks noChangeAspect="1" noChangeArrowheads="1"/>
           </p:cNvPicPr>
           <p:nvPr/>
         </p:nvPicPr>
-        <p:blipFill>
+        <p:blipFill rotWithShape="1">
           <a:blip r:embed="rId2">
             <a:extLst>
               <a:ext uri="{28A0092B-C50C-407E-A947-70E740481C1C}">
@@ -4612,34 +4790,46 @@
               </a:ext>
             </a:extLst>
           </a:blip>
-          <a:srcRect b="56049"/>
-          <a:stretch/>
+          <a:srcRect b="55949"/>
+          <a:stretch>
+            <a:fillRect/>
+          </a:stretch>
         </p:blipFill>
-        <p:spPr>
+        <p:spPr bwMode="auto">
           <a:xfrm>
-            <a:off x="203199" y="1827228"/>
-            <a:ext cx="6443673" cy="4513793"/>
+            <a:off x="397933" y="1473199"/>
+            <a:ext cx="6823730" cy="4800601"/>
           </a:xfrm>
           <a:prstGeom prst="rect">
             <a:avLst/>
           </a:prstGeom>
+          <a:noFill/>
+          <a:extLst>
+            <a:ext uri="{909E8E84-426E-40DD-AFC4-6F175D3DCCD1}">
+              <a14:hiddenFill xmlns:a14="http://schemas.microsoft.com/office/drawing/2010/main">
+                <a:solidFill>
+                  <a:srgbClr val="FFFFFF"/>
+                </a:solidFill>
+              </a14:hiddenFill>
+            </a:ext>
+          </a:extLst>
         </p:spPr>
       </p:pic>
       <p:pic>
         <p:nvPicPr>
-          <p:cNvPr id="9" name="Grafik 8" descr="Ein Bild, das Text, Screenshot, Design, Kunst enthält.&#10;&#10;KI-generierte Inhalte können fehlerhaft sein.">
-            <a:extLst>
-              <a:ext uri="{FF2B5EF4-FFF2-40B4-BE49-F238E27FC236}">
-                <a16:creationId xmlns:a16="http://schemas.microsoft.com/office/drawing/2014/main" id="{7E00FA10-9B81-1283-E4B6-6C3417A16EA0}"/>
+          <p:cNvPr id="1028" name="Picture 4">
+            <a:extLst>
+              <a:ext uri="{FF2B5EF4-FFF2-40B4-BE49-F238E27FC236}">
+                <a16:creationId xmlns:a16="http://schemas.microsoft.com/office/drawing/2014/main" id="{48174442-1845-BAB7-C404-34DF41D22E70}"/>
               </a:ext>
             </a:extLst>
           </p:cNvPr>
           <p:cNvPicPr>
-            <a:picLocks noChangeAspect="1"/>
+            <a:picLocks noChangeAspect="1" noChangeArrowheads="1"/>
           </p:cNvPicPr>
           <p:nvPr/>
         </p:nvPicPr>
-        <p:blipFill>
+        <p:blipFill rotWithShape="1">
           <a:blip r:embed="rId2">
             <a:extLst>
               <a:ext uri="{28A0092B-C50C-407E-A947-70E740481C1C}">
@@ -4647,17 +4837,29 @@
               </a:ext>
             </a:extLst>
           </a:blip>
-          <a:srcRect t="43951"/>
-          <a:stretch/>
+          <a:srcRect l="11837" t="43704" r="11258"/>
+          <a:stretch>
+            <a:fillRect/>
+          </a:stretch>
         </p:blipFill>
-        <p:spPr>
+        <p:spPr bwMode="auto">
           <a:xfrm>
-            <a:off x="6832600" y="1827228"/>
-            <a:ext cx="5052743" cy="4513793"/>
+            <a:off x="7687734" y="1473199"/>
+            <a:ext cx="4106333" cy="4800601"/>
           </a:xfrm>
           <a:prstGeom prst="rect">
             <a:avLst/>
           </a:prstGeom>
+          <a:noFill/>
+          <a:extLst>
+            <a:ext uri="{909E8E84-426E-40DD-AFC4-6F175D3DCCD1}">
+              <a14:hiddenFill xmlns:a14="http://schemas.microsoft.com/office/drawing/2010/main">
+                <a:solidFill>
+                  <a:srgbClr val="FFFFFF"/>
+                </a:solidFill>
+              </a14:hiddenFill>
+            </a:ext>
+          </a:extLst>
         </p:spPr>
       </p:pic>
     </p:spTree>
@@ -4673,7 +4875,7 @@
 </p:sld>
 </file>
 
-<file path=ppt/slides/slide7.xml><?xml version="1.0" encoding="utf-8"?>
+<file path=ppt/slides/slide8.xml><?xml version="1.0" encoding="utf-8"?>
 <p:sld xmlns:a="http://schemas.openxmlformats.org/drawingml/2006/main" xmlns:r="http://schemas.openxmlformats.org/officeDocument/2006/relationships" xmlns:p="http://schemas.openxmlformats.org/presentationml/2006/main">
   <p:cSld>
     <p:spTree>
@@ -4825,7 +5027,7 @@
 </p:sld>
 </file>
 
-<file path=ppt/slides/slide8.xml><?xml version="1.0" encoding="utf-8"?>
+<file path=ppt/slides/slide9.xml><?xml version="1.0" encoding="utf-8"?>
 <p:sld xmlns:a="http://schemas.openxmlformats.org/drawingml/2006/main" xmlns:r="http://schemas.openxmlformats.org/officeDocument/2006/relationships" xmlns:p="http://schemas.openxmlformats.org/presentationml/2006/main">
   <p:cSld>
     <p:spTree>
@@ -4905,7 +5107,7 @@
         </p:spPr>
         <p:txBody>
           <a:bodyPr>
-            <a:normAutofit/>
+            <a:normAutofit fontScale="85000" lnSpcReduction="20000"/>
           </a:bodyPr>
           <a:lstStyle/>
           <a:p>
@@ -4915,7 +5117,7 @@
             </a:r>
             <a:r>
               <a:rPr lang="de-CH" dirty="0"/>
-              <a:t> via Rundenzeiten, Position, Strategie, Wetter</a:t>
+              <a:t> via Rundenzeiten, Geschwindigkeit, Position, Punktestand, Strategie, Wetter</a:t>
             </a:r>
           </a:p>
           <a:p>
@@ -4930,20 +5132,41 @@
           </a:p>
           <a:p>
             <a:r>
-              <a:rPr lang="de-CH" dirty="0"/>
-              <a:t> </a:t>
-            </a:r>
-            <a:r>
               <a:rPr lang="de-CH" b="1" dirty="0"/>
               <a:t>Interaktivität</a:t>
             </a:r>
             <a:r>
               <a:rPr lang="de-CH" dirty="0"/>
-              <a:t>: </a:t>
+              <a:t>: Saison, </a:t>
             </a:r>
             <a:r>
               <a:rPr lang="de-DE" dirty="0"/>
               <a:t>Rennen, Fahrer, y-Achse wählbar, je nach Analyseziel</a:t>
+            </a:r>
+          </a:p>
+          <a:p>
+            <a:endParaRPr lang="de-DE" dirty="0"/>
+          </a:p>
+          <a:p>
+            <a:r>
+              <a:rPr lang="de-DE" dirty="0"/>
+              <a:t>(Geschichte wird erzählt am Verlauf einer runde, eines </a:t>
+            </a:r>
+            <a:r>
+              <a:rPr lang="de-DE" dirty="0" err="1"/>
+              <a:t>rennens</a:t>
+            </a:r>
+            <a:r>
+              <a:rPr lang="de-DE" dirty="0"/>
+              <a:t>, einer </a:t>
+            </a:r>
+            <a:r>
+              <a:rPr lang="de-DE" dirty="0" err="1"/>
+              <a:t>saison</a:t>
+            </a:r>
+            <a:r>
+              <a:rPr lang="de-DE"/>
+              <a:t>)</a:t>
             </a:r>
             <a:endParaRPr lang="de-CH" dirty="0"/>
           </a:p>
@@ -4999,175 +5222,6 @@
     <p:extLst>
       <p:ext uri="{BB962C8B-B14F-4D97-AF65-F5344CB8AC3E}">
         <p14:creationId xmlns:p14="http://schemas.microsoft.com/office/powerpoint/2010/main" val="332134211"/>
-      </p:ext>
-    </p:extLst>
-  </p:cSld>
-  <p:clrMapOvr>
-    <a:masterClrMapping/>
-  </p:clrMapOvr>
-</p:sld>
-</file>
-
-<file path=ppt/slides/slide9.xml><?xml version="1.0" encoding="utf-8"?>
-<p:sld xmlns:a="http://schemas.openxmlformats.org/drawingml/2006/main" xmlns:r="http://schemas.openxmlformats.org/officeDocument/2006/relationships" xmlns:p="http://schemas.openxmlformats.org/presentationml/2006/main">
-  <p:cSld>
-    <p:spTree>
-      <p:nvGrpSpPr>
-        <p:cNvPr id="1" name="">
-          <a:extLst>
-            <a:ext uri="{FF2B5EF4-FFF2-40B4-BE49-F238E27FC236}">
-              <a16:creationId xmlns:a16="http://schemas.microsoft.com/office/drawing/2014/main" id="{CC8623E8-75A6-8D63-85C5-64749D125D89}"/>
-            </a:ext>
-          </a:extLst>
-        </p:cNvPr>
-        <p:cNvGrpSpPr/>
-        <p:nvPr/>
-      </p:nvGrpSpPr>
-      <p:grpSpPr>
-        <a:xfrm>
-          <a:off x="0" y="0"/>
-          <a:ext cx="0" cy="0"/>
-          <a:chOff x="0" y="0"/>
-          <a:chExt cx="0" cy="0"/>
-        </a:xfrm>
-      </p:grpSpPr>
-      <p:sp>
-        <p:nvSpPr>
-          <p:cNvPr id="2" name="Titel 1">
-            <a:extLst>
-              <a:ext uri="{FF2B5EF4-FFF2-40B4-BE49-F238E27FC236}">
-                <a16:creationId xmlns:a16="http://schemas.microsoft.com/office/drawing/2014/main" id="{A1D20DFC-60F4-B318-791D-7EA59029F73C}"/>
-              </a:ext>
-            </a:extLst>
-          </p:cNvPr>
-          <p:cNvSpPr>
-            <a:spLocks noGrp="1"/>
-          </p:cNvSpPr>
-          <p:nvPr>
-            <p:ph type="title"/>
-          </p:nvPr>
-        </p:nvSpPr>
-        <p:spPr>
-          <a:xfrm>
-            <a:off x="397933" y="991280"/>
-            <a:ext cx="10515600" cy="1325563"/>
-          </a:xfrm>
-        </p:spPr>
-        <p:txBody>
-          <a:bodyPr/>
-          <a:lstStyle/>
-          <a:p>
-            <a:r>
-              <a:rPr lang="de-DE" b="1" dirty="0"/>
-              <a:t>Limitationen des Projekts</a:t>
-            </a:r>
-            <a:endParaRPr lang="de-CH" b="1" dirty="0"/>
-          </a:p>
-        </p:txBody>
-      </p:sp>
-      <p:sp>
-        <p:nvSpPr>
-          <p:cNvPr id="3" name="Inhaltsplatzhalter 2">
-            <a:extLst>
-              <a:ext uri="{FF2B5EF4-FFF2-40B4-BE49-F238E27FC236}">
-                <a16:creationId xmlns:a16="http://schemas.microsoft.com/office/drawing/2014/main" id="{A2F4CF04-B5F3-0F21-A418-3B8B82654D2C}"/>
-              </a:ext>
-            </a:extLst>
-          </p:cNvPr>
-          <p:cNvSpPr>
-            <a:spLocks noGrp="1"/>
-          </p:cNvSpPr>
-          <p:nvPr>
-            <p:ph idx="1"/>
-          </p:nvPr>
-        </p:nvSpPr>
-        <p:spPr>
-          <a:xfrm>
-            <a:off x="397933" y="2984953"/>
-            <a:ext cx="10515600" cy="2615746"/>
-          </a:xfrm>
-        </p:spPr>
-        <p:txBody>
-          <a:bodyPr>
-            <a:normAutofit lnSpcReduction="10000"/>
-          </a:bodyPr>
-          <a:lstStyle/>
-          <a:p>
-            <a:r>
-              <a:rPr lang="de-CH" dirty="0"/>
-              <a:t>Farben einiger Rennställe nicht gut erkennbar</a:t>
-            </a:r>
-          </a:p>
-          <a:p>
-            <a:r>
-              <a:rPr lang="de-CH" dirty="0"/>
-              <a:t>Kein Vergleich von drei Fahrern bei der Strategieanalyse, weil sehr aufwändig zu implementieren</a:t>
-            </a:r>
-          </a:p>
-          <a:p>
-            <a:r>
-              <a:rPr lang="de-DE" dirty="0"/>
-              <a:t>Daten starten erst ab dem Jahr 2018</a:t>
-            </a:r>
-          </a:p>
-          <a:p>
-            <a:r>
-              <a:rPr lang="de-DE" dirty="0"/>
-              <a:t>Nur Renndaten verwendet – keine eigene Datenbank wegen begrenztem Projektumfang</a:t>
-            </a:r>
-          </a:p>
-        </p:txBody>
-      </p:sp>
-      <p:sp>
-        <p:nvSpPr>
-          <p:cNvPr id="4" name="Rechteck 3">
-            <a:extLst>
-              <a:ext uri="{FF2B5EF4-FFF2-40B4-BE49-F238E27FC236}">
-                <a16:creationId xmlns:a16="http://schemas.microsoft.com/office/drawing/2014/main" id="{69107C99-2815-798A-4442-9504B75FD298}"/>
-              </a:ext>
-            </a:extLst>
-          </p:cNvPr>
-          <p:cNvSpPr/>
-          <p:nvPr/>
-        </p:nvSpPr>
-        <p:spPr>
-          <a:xfrm>
-            <a:off x="397933" y="503237"/>
-            <a:ext cx="11396134" cy="174096"/>
-          </a:xfrm>
-          <a:prstGeom prst="rect">
-            <a:avLst/>
-          </a:prstGeom>
-        </p:spPr>
-        <p:style>
-          <a:lnRef idx="2">
-            <a:schemeClr val="dk1">
-              <a:shade val="15000"/>
-            </a:schemeClr>
-          </a:lnRef>
-          <a:fillRef idx="1">
-            <a:schemeClr val="dk1"/>
-          </a:fillRef>
-          <a:effectRef idx="0">
-            <a:schemeClr val="dk1"/>
-          </a:effectRef>
-          <a:fontRef idx="minor">
-            <a:schemeClr val="lt1"/>
-          </a:fontRef>
-        </p:style>
-        <p:txBody>
-          <a:bodyPr rtlCol="0" anchor="ctr"/>
-          <a:lstStyle/>
-          <a:p>
-            <a:pPr algn="ctr"/>
-            <a:endParaRPr lang="en-GB"/>
-          </a:p>
-        </p:txBody>
-      </p:sp>
-    </p:spTree>
-    <p:extLst>
-      <p:ext uri="{BB962C8B-B14F-4D97-AF65-F5344CB8AC3E}">
-        <p14:creationId xmlns:p14="http://schemas.microsoft.com/office/powerpoint/2010/main" val="647650531"/>
       </p:ext>
     </p:extLst>
   </p:cSld>

--- a/Präsentation_Racing_Insights.pptx
+++ b/Präsentation_Racing_Insights.pptx
@@ -270,7 +270,7 @@
           <a:p>
             <a:fld id="{6EEE693F-E9BD-4EE0-A53F-2035690FB9A2}" type="datetimeFigureOut">
               <a:rPr lang="en-GB" smtClean="0"/>
-              <a:t>04/06/2025</a:t>
+              <a:t>06/06/2025</a:t>
             </a:fld>
             <a:endParaRPr lang="en-GB"/>
           </a:p>
@@ -470,7 +470,7 @@
           <a:p>
             <a:fld id="{6EEE693F-E9BD-4EE0-A53F-2035690FB9A2}" type="datetimeFigureOut">
               <a:rPr lang="en-GB" smtClean="0"/>
-              <a:t>04/06/2025</a:t>
+              <a:t>06/06/2025</a:t>
             </a:fld>
             <a:endParaRPr lang="en-GB"/>
           </a:p>
@@ -680,7 +680,7 @@
           <a:p>
             <a:fld id="{6EEE693F-E9BD-4EE0-A53F-2035690FB9A2}" type="datetimeFigureOut">
               <a:rPr lang="en-GB" smtClean="0"/>
-              <a:t>04/06/2025</a:t>
+              <a:t>06/06/2025</a:t>
             </a:fld>
             <a:endParaRPr lang="en-GB"/>
           </a:p>
@@ -880,7 +880,7 @@
           <a:p>
             <a:fld id="{6EEE693F-E9BD-4EE0-A53F-2035690FB9A2}" type="datetimeFigureOut">
               <a:rPr lang="en-GB" smtClean="0"/>
-              <a:t>04/06/2025</a:t>
+              <a:t>06/06/2025</a:t>
             </a:fld>
             <a:endParaRPr lang="en-GB"/>
           </a:p>
@@ -1156,7 +1156,7 @@
           <a:p>
             <a:fld id="{6EEE693F-E9BD-4EE0-A53F-2035690FB9A2}" type="datetimeFigureOut">
               <a:rPr lang="en-GB" smtClean="0"/>
-              <a:t>04/06/2025</a:t>
+              <a:t>06/06/2025</a:t>
             </a:fld>
             <a:endParaRPr lang="en-GB"/>
           </a:p>
@@ -1424,7 +1424,7 @@
           <a:p>
             <a:fld id="{6EEE693F-E9BD-4EE0-A53F-2035690FB9A2}" type="datetimeFigureOut">
               <a:rPr lang="en-GB" smtClean="0"/>
-              <a:t>04/06/2025</a:t>
+              <a:t>06/06/2025</a:t>
             </a:fld>
             <a:endParaRPr lang="en-GB"/>
           </a:p>
@@ -1839,7 +1839,7 @@
           <a:p>
             <a:fld id="{6EEE693F-E9BD-4EE0-A53F-2035690FB9A2}" type="datetimeFigureOut">
               <a:rPr lang="en-GB" smtClean="0"/>
-              <a:t>04/06/2025</a:t>
+              <a:t>06/06/2025</a:t>
             </a:fld>
             <a:endParaRPr lang="en-GB"/>
           </a:p>
@@ -1981,7 +1981,7 @@
           <a:p>
             <a:fld id="{6EEE693F-E9BD-4EE0-A53F-2035690FB9A2}" type="datetimeFigureOut">
               <a:rPr lang="en-GB" smtClean="0"/>
-              <a:t>04/06/2025</a:t>
+              <a:t>06/06/2025</a:t>
             </a:fld>
             <a:endParaRPr lang="en-GB"/>
           </a:p>
@@ -2094,7 +2094,7 @@
           <a:p>
             <a:fld id="{6EEE693F-E9BD-4EE0-A53F-2035690FB9A2}" type="datetimeFigureOut">
               <a:rPr lang="en-GB" smtClean="0"/>
-              <a:t>04/06/2025</a:t>
+              <a:t>06/06/2025</a:t>
             </a:fld>
             <a:endParaRPr lang="en-GB"/>
           </a:p>
@@ -2407,7 +2407,7 @@
           <a:p>
             <a:fld id="{6EEE693F-E9BD-4EE0-A53F-2035690FB9A2}" type="datetimeFigureOut">
               <a:rPr lang="en-GB" smtClean="0"/>
-              <a:t>04/06/2025</a:t>
+              <a:t>06/06/2025</a:t>
             </a:fld>
             <a:endParaRPr lang="en-GB"/>
           </a:p>
@@ -2696,7 +2696,7 @@
           <a:p>
             <a:fld id="{6EEE693F-E9BD-4EE0-A53F-2035690FB9A2}" type="datetimeFigureOut">
               <a:rPr lang="en-GB" smtClean="0"/>
-              <a:t>04/06/2025</a:t>
+              <a:t>06/06/2025</a:t>
             </a:fld>
             <a:endParaRPr lang="en-GB"/>
           </a:p>
@@ -2939,7 +2939,7 @@
           <a:p>
             <a:fld id="{6EEE693F-E9BD-4EE0-A53F-2035690FB9A2}" type="datetimeFigureOut">
               <a:rPr lang="en-GB" smtClean="0"/>
-              <a:t>04/06/2025</a:t>
+              <a:t>06/06/2025</a:t>
             </a:fld>
             <a:endParaRPr lang="en-GB"/>
           </a:p>
@@ -4171,7 +4171,7 @@
           <a:p>
             <a:r>
               <a:rPr lang="de-DE" dirty="0"/>
-              <a:t>John, 58, UK. Langjähriger Formel-1 Fans mit viel Hintergrundwissen.</a:t>
+              <a:t>John, 58, UK. Langjähriger Formel-1 Fan mit viel Hintergrundwissen.</a:t>
             </a:r>
           </a:p>
           <a:p>
@@ -4797,8 +4797,8 @@
         </p:blipFill>
         <p:spPr bwMode="auto">
           <a:xfrm>
-            <a:off x="397933" y="1473199"/>
-            <a:ext cx="6823730" cy="4800601"/>
+            <a:off x="397932" y="1473199"/>
+            <a:ext cx="7028321" cy="4944534"/>
           </a:xfrm>
           <a:prstGeom prst="rect">
             <a:avLst/>
@@ -4844,8 +4844,8 @@
         </p:blipFill>
         <p:spPr bwMode="auto">
           <a:xfrm>
-            <a:off x="7687734" y="1473199"/>
-            <a:ext cx="4106333" cy="4800601"/>
+            <a:off x="7564617" y="1473200"/>
+            <a:ext cx="4229450" cy="4944534"/>
           </a:xfrm>
           <a:prstGeom prst="rect">
             <a:avLst/>
@@ -5101,24 +5101,65 @@
         </p:nvSpPr>
         <p:spPr>
           <a:xfrm>
-            <a:off x="397933" y="2984953"/>
-            <a:ext cx="10515600" cy="2615746"/>
+            <a:off x="397933" y="2015067"/>
+            <a:ext cx="10515600" cy="3585632"/>
           </a:xfrm>
         </p:spPr>
         <p:txBody>
           <a:bodyPr>
-            <a:normAutofit fontScale="85000" lnSpcReduction="20000"/>
+            <a:normAutofit lnSpcReduction="10000"/>
           </a:bodyPr>
           <a:lstStyle/>
           <a:p>
             <a:r>
               <a:rPr lang="de-CH" b="1" dirty="0"/>
-              <a:t>Storylines:</a:t>
+              <a:t>Grafiken sind «</a:t>
+            </a:r>
+            <a:r>
+              <a:rPr lang="de-CH" b="1" dirty="0" err="1"/>
+              <a:t>exploratory</a:t>
+            </a:r>
+            <a:r>
+              <a:rPr lang="de-CH" b="1" dirty="0"/>
+              <a:t>»: </a:t>
             </a:r>
             <a:r>
               <a:rPr lang="de-CH" dirty="0"/>
-              <a:t> via Rundenzeiten, Geschwindigkeit, Position, Punktestand, Strategie, Wetter</a:t>
-            </a:r>
+              <a:t>Erlauben dem Nutzer also, eigene Erkenntnisse zu finden</a:t>
+            </a:r>
+          </a:p>
+          <a:p>
+            <a:r>
+              <a:rPr lang="de-CH" b="1" dirty="0"/>
+              <a:t>Interaktivität</a:t>
+            </a:r>
+            <a:r>
+              <a:rPr lang="de-CH" dirty="0"/>
+              <a:t>: </a:t>
+            </a:r>
+            <a:r>
+              <a:rPr lang="de-DE" dirty="0"/>
+              <a:t>je nach Grafik sind </a:t>
+            </a:r>
+            <a:r>
+              <a:rPr lang="de-CH" dirty="0"/>
+              <a:t>Saison, </a:t>
+            </a:r>
+            <a:r>
+              <a:rPr lang="de-DE" dirty="0"/>
+              <a:t>Rennen, Fahrer, Art der Abstände wählbar</a:t>
+            </a:r>
+          </a:p>
+          <a:p>
+            <a:r>
+              <a:rPr lang="de-CH" b="1" dirty="0"/>
+              <a:t>Zeitliche Komponente: </a:t>
+            </a:r>
+            <a:r>
+              <a:rPr lang="de-DE" dirty="0"/>
+              <a:t>Geschichte wird erzählt mithilfe des Verlaufs einer Runde, eines Rennens oder einer Saison</a:t>
+            </a:r>
+            <a:endParaRPr lang="de-CH" b="1" dirty="0"/>
           </a:p>
           <a:p>
             <a:r>
@@ -5127,47 +5168,13 @@
             </a:r>
             <a:r>
               <a:rPr lang="de-CH" dirty="0"/>
-              <a:t>: Linienverlauf für Position, Symbole für Wetter und Reifenart</a:t>
-            </a:r>
-          </a:p>
-          <a:p>
-            <a:r>
-              <a:rPr lang="de-CH" b="1" dirty="0"/>
-              <a:t>Interaktivität</a:t>
-            </a:r>
-            <a:r>
-              <a:rPr lang="de-CH" dirty="0"/>
-              <a:t>: Saison, </a:t>
-            </a:r>
-            <a:r>
-              <a:rPr lang="de-DE" dirty="0"/>
-              <a:t>Rennen, Fahrer, y-Achse wählbar, je nach Analyseziel</a:t>
+              <a:t>: Vor allem Farbe und Position für Visualisierungen, Symbole für Zusatzinfos wie Wetter und Reifenart</a:t>
             </a:r>
           </a:p>
           <a:p>
             <a:endParaRPr lang="de-DE" dirty="0"/>
           </a:p>
           <a:p>
-            <a:r>
-              <a:rPr lang="de-DE" dirty="0"/>
-              <a:t>(Geschichte wird erzählt am Verlauf einer runde, eines </a:t>
-            </a:r>
-            <a:r>
-              <a:rPr lang="de-DE" dirty="0" err="1"/>
-              <a:t>rennens</a:t>
-            </a:r>
-            <a:r>
-              <a:rPr lang="de-DE" dirty="0"/>
-              <a:t>, einer </a:t>
-            </a:r>
-            <a:r>
-              <a:rPr lang="de-DE" dirty="0" err="1"/>
-              <a:t>saison</a:t>
-            </a:r>
-            <a:r>
-              <a:rPr lang="de-DE"/>
-              <a:t>)</a:t>
-            </a:r>
             <a:endParaRPr lang="de-CH" dirty="0"/>
           </a:p>
         </p:txBody>
